--- a/Sources/11_Ybigta/03_19_1_PR/카드뉴스/카드뉴스양식_내용1.pptx
+++ b/Sources/11_Ybigta/03_19_1_PR/카드뉴스/카드뉴스양식_내용1.pptx
@@ -204,7 +204,7 @@
           <a:p>
             <a:fld id="{C4AF75A5-BE98-C940-920E-D9453FB561E1}" type="datetimeFigureOut">
               <a:rPr kumimoji="1" lang="ko-KR" altLang="en-US" smtClean="0"/>
-              <a:t>2019-03-22</a:t>
+              <a:t>2019-03-23</a:t>
             </a:fld>
             <a:endParaRPr kumimoji="1" lang="ko-KR" altLang="en-US"/>
           </a:p>
@@ -602,7 +602,7 @@
           <a:p>
             <a:fld id="{2022B784-1B2B-584C-9C72-429B0A88262A}" type="datetimeFigureOut">
               <a:rPr kumimoji="1" lang="ko-KR" altLang="en-US" smtClean="0"/>
-              <a:t>2019-03-22</a:t>
+              <a:t>2019-03-23</a:t>
             </a:fld>
             <a:endParaRPr kumimoji="1" lang="ko-KR" altLang="en-US"/>
           </a:p>
@@ -767,7 +767,7 @@
           <a:p>
             <a:fld id="{2022B784-1B2B-584C-9C72-429B0A88262A}" type="datetimeFigureOut">
               <a:rPr kumimoji="1" lang="ko-KR" altLang="en-US" smtClean="0"/>
-              <a:t>2019-03-22</a:t>
+              <a:t>2019-03-23</a:t>
             </a:fld>
             <a:endParaRPr kumimoji="1" lang="ko-KR" altLang="en-US"/>
           </a:p>
@@ -942,7 +942,7 @@
           <a:p>
             <a:fld id="{2022B784-1B2B-584C-9C72-429B0A88262A}" type="datetimeFigureOut">
               <a:rPr kumimoji="1" lang="ko-KR" altLang="en-US" smtClean="0"/>
-              <a:t>2019-03-22</a:t>
+              <a:t>2019-03-23</a:t>
             </a:fld>
             <a:endParaRPr kumimoji="1" lang="ko-KR" altLang="en-US"/>
           </a:p>
@@ -1107,7 +1107,7 @@
           <a:p>
             <a:fld id="{2022B784-1B2B-584C-9C72-429B0A88262A}" type="datetimeFigureOut">
               <a:rPr kumimoji="1" lang="ko-KR" altLang="en-US" smtClean="0"/>
-              <a:t>2019-03-22</a:t>
+              <a:t>2019-03-23</a:t>
             </a:fld>
             <a:endParaRPr kumimoji="1" lang="ko-KR" altLang="en-US"/>
           </a:p>
@@ -1346,7 +1346,7 @@
           <a:p>
             <a:fld id="{2022B784-1B2B-584C-9C72-429B0A88262A}" type="datetimeFigureOut">
               <a:rPr kumimoji="1" lang="ko-KR" altLang="en-US" smtClean="0"/>
-              <a:t>2019-03-22</a:t>
+              <a:t>2019-03-23</a:t>
             </a:fld>
             <a:endParaRPr kumimoji="1" lang="ko-KR" altLang="en-US"/>
           </a:p>
@@ -1573,7 +1573,7 @@
           <a:p>
             <a:fld id="{2022B784-1B2B-584C-9C72-429B0A88262A}" type="datetimeFigureOut">
               <a:rPr kumimoji="1" lang="ko-KR" altLang="en-US" smtClean="0"/>
-              <a:t>2019-03-22</a:t>
+              <a:t>2019-03-23</a:t>
             </a:fld>
             <a:endParaRPr kumimoji="1" lang="ko-KR" altLang="en-US"/>
           </a:p>
@@ -1935,7 +1935,7 @@
           <a:p>
             <a:fld id="{2022B784-1B2B-584C-9C72-429B0A88262A}" type="datetimeFigureOut">
               <a:rPr kumimoji="1" lang="ko-KR" altLang="en-US" smtClean="0"/>
-              <a:t>2019-03-22</a:t>
+              <a:t>2019-03-23</a:t>
             </a:fld>
             <a:endParaRPr kumimoji="1" lang="ko-KR" altLang="en-US"/>
           </a:p>
@@ -2048,7 +2048,7 @@
           <a:p>
             <a:fld id="{2022B784-1B2B-584C-9C72-429B0A88262A}" type="datetimeFigureOut">
               <a:rPr kumimoji="1" lang="ko-KR" altLang="en-US" smtClean="0"/>
-              <a:t>2019-03-22</a:t>
+              <a:t>2019-03-23</a:t>
             </a:fld>
             <a:endParaRPr kumimoji="1" lang="ko-KR" altLang="en-US"/>
           </a:p>
@@ -2138,7 +2138,7 @@
           <a:p>
             <a:fld id="{2022B784-1B2B-584C-9C72-429B0A88262A}" type="datetimeFigureOut">
               <a:rPr kumimoji="1" lang="ko-KR" altLang="en-US" smtClean="0"/>
-              <a:t>2019-03-22</a:t>
+              <a:t>2019-03-23</a:t>
             </a:fld>
             <a:endParaRPr kumimoji="1" lang="ko-KR" altLang="en-US"/>
           </a:p>
@@ -2410,7 +2410,7 @@
           <a:p>
             <a:fld id="{2022B784-1B2B-584C-9C72-429B0A88262A}" type="datetimeFigureOut">
               <a:rPr kumimoji="1" lang="ko-KR" altLang="en-US" smtClean="0"/>
-              <a:t>2019-03-22</a:t>
+              <a:t>2019-03-23</a:t>
             </a:fld>
             <a:endParaRPr kumimoji="1" lang="ko-KR" altLang="en-US"/>
           </a:p>
@@ -2662,7 +2662,7 @@
           <a:p>
             <a:fld id="{2022B784-1B2B-584C-9C72-429B0A88262A}" type="datetimeFigureOut">
               <a:rPr kumimoji="1" lang="ko-KR" altLang="en-US" smtClean="0"/>
-              <a:t>2019-03-22</a:t>
+              <a:t>2019-03-23</a:t>
             </a:fld>
             <a:endParaRPr kumimoji="1" lang="ko-KR" altLang="en-US"/>
           </a:p>
@@ -2892,7 +2892,7 @@
           <a:p>
             <a:fld id="{2022B784-1B2B-584C-9C72-429B0A88262A}" type="datetimeFigureOut">
               <a:rPr kumimoji="1" lang="ko-KR" altLang="en-US" smtClean="0"/>
-              <a:t>2019-03-22</a:t>
+              <a:t>2019-03-23</a:t>
             </a:fld>
             <a:endParaRPr kumimoji="1" lang="ko-KR" altLang="en-US"/>
           </a:p>
@@ -3455,15 +3455,15 @@
           <a:p>
             <a:pPr algn="ctr"/>
             <a:r>
-              <a:rPr kumimoji="1" lang="en-US" altLang="ko-KR" sz="950" dirty="0" err="1">
-                <a:solidFill>
-                  <a:srgbClr val="013677"/>
-                </a:solidFill>
-                <a:latin typeface="YDIYGO320" charset="-127"/>
-                <a:ea typeface="YDIYGO320" charset="-127"/>
-                <a:cs typeface="YDIYGO320" charset="-127"/>
-              </a:rPr>
-              <a:t>Ybigta</a:t>
+              <a:rPr kumimoji="1" lang="en-US" altLang="ko-KR" sz="950">
+                <a:solidFill>
+                  <a:srgbClr val="013677"/>
+                </a:solidFill>
+                <a:latin typeface="YDIYGO320" charset="-127"/>
+                <a:ea typeface="YDIYGO320" charset="-127"/>
+                <a:cs typeface="YDIYGO320" charset="-127"/>
+              </a:rPr>
+              <a:t>ybigta</a:t>
             </a:r>
             <a:r>
               <a:rPr kumimoji="1" lang="ko-KR" altLang="en-US" sz="950" dirty="0">
